--- a/Employee_Data_Analysis_2.pptx
+++ b/Employee_Data_Analysis_2.pptx
@@ -166,6 +166,2227 @@
 </pc:chgInfo>
 </file>
 
+<file path=ppt/charts/chart1.xml><?xml version="1.0" encoding="utf-8"?>
+<c:chartSpace xmlns:c="http://schemas.openxmlformats.org/drawingml/2006/chart" xmlns:a="http://schemas.openxmlformats.org/drawingml/2006/main" xmlns:r="http://schemas.openxmlformats.org/officeDocument/2006/relationships" xmlns:c16r2="http://schemas.microsoft.com/office/drawing/2015/06/chart">
+  <c:date1904 val="0"/>
+  <c:lang val="en-US"/>
+  <c:roundedCorners val="0"/>
+  <mc:AlternateContent xmlns:mc="http://schemas.openxmlformats.org/markup-compatibility/2006">
+    <mc:Choice xmlns:c14="http://schemas.microsoft.com/office/drawing/2007/8/2/chart" Requires="c14">
+      <c14:style val="102"/>
+    </mc:Choice>
+    <mc:Fallback>
+      <c:style val="2"/>
+    </mc:Fallback>
+  </mc:AlternateContent>
+  <c:pivotSource>
+    <c:name>[employee_data NAAN MUDHALVAN.xlsx]Sheet1!PivotTable1</c:name>
+    <c:fmtId val="6"/>
+  </c:pivotSource>
+  <c:chart>
+    <c:title>
+      <c:tx>
+        <c:rich>
+          <a:bodyPr rot="0" spcFirstLastPara="1" vertOverflow="ellipsis" vert="horz" wrap="square" anchor="ctr" anchorCtr="1"/>
+          <a:lstStyle/>
+          <a:p>
+            <a:pPr>
+              <a:defRPr sz="1400" b="0" i="0" u="none" strike="noStrike" kern="1200" spc="0" baseline="0">
+                <a:solidFill>
+                  <a:schemeClr val="tx1">
+                    <a:lumMod val="65000"/>
+                    <a:lumOff val="35000"/>
+                  </a:schemeClr>
+                </a:solidFill>
+                <a:latin typeface="+mn-lt"/>
+                <a:ea typeface="+mn-ea"/>
+                <a:cs typeface="+mn-cs"/>
+              </a:defRPr>
+            </a:pPr>
+            <a:r>
+              <a:rPr lang="en-IN" dirty="0"/>
+              <a:t>EMPLOYEE PERFORMANCE </a:t>
+            </a:r>
+          </a:p>
+        </c:rich>
+      </c:tx>
+      <c:layout>
+        <c:manualLayout>
+          <c:xMode val="edge"/>
+          <c:yMode val="edge"/>
+          <c:x val="0.32153204101605942"/>
+          <c:y val="5.1172044670886721E-2"/>
+        </c:manualLayout>
+      </c:layout>
+      <c:overlay val="0"/>
+      <c:spPr>
+        <a:noFill/>
+        <a:ln>
+          <a:noFill/>
+        </a:ln>
+        <a:effectLst/>
+      </c:spPr>
+      <c:txPr>
+        <a:bodyPr rot="0" spcFirstLastPara="1" vertOverflow="ellipsis" vert="horz" wrap="square" anchor="ctr" anchorCtr="1"/>
+        <a:lstStyle/>
+        <a:p>
+          <a:pPr>
+            <a:defRPr sz="1400" b="0" i="0" u="none" strike="noStrike" kern="1200" spc="0" baseline="0">
+              <a:solidFill>
+                <a:schemeClr val="tx1">
+                  <a:lumMod val="65000"/>
+                  <a:lumOff val="35000"/>
+                </a:schemeClr>
+              </a:solidFill>
+              <a:latin typeface="+mn-lt"/>
+              <a:ea typeface="+mn-ea"/>
+              <a:cs typeface="+mn-cs"/>
+            </a:defRPr>
+          </a:pPr>
+          <a:endParaRPr lang="en-US"/>
+        </a:p>
+      </c:txPr>
+    </c:title>
+    <c:autoTitleDeleted val="0"/>
+    <c:pivotFmts>
+      <c:pivotFmt>
+        <c:idx val="0"/>
+        <c:spPr>
+          <a:solidFill>
+            <a:schemeClr val="accent1"/>
+          </a:solidFill>
+          <a:ln>
+            <a:noFill/>
+          </a:ln>
+          <a:effectLst/>
+        </c:spPr>
+        <c:marker>
+          <c:symbol val="none"/>
+        </c:marker>
+        <c:dLbl>
+          <c:idx val="0"/>
+          <c:spPr>
+            <a:noFill/>
+            <a:ln>
+              <a:noFill/>
+            </a:ln>
+            <a:effectLst/>
+          </c:spPr>
+          <c:txPr>
+            <a:bodyPr rot="0" spcFirstLastPara="1" vertOverflow="ellipsis" vert="horz" wrap="square" lIns="38100" tIns="19050" rIns="38100" bIns="19050" anchor="ctr" anchorCtr="1">
+              <a:spAutoFit/>
+            </a:bodyPr>
+            <a:lstStyle/>
+            <a:p>
+              <a:pPr>
+                <a:defRPr sz="900" b="0" i="0" u="none" strike="noStrike" kern="1200" baseline="0">
+                  <a:solidFill>
+                    <a:schemeClr val="tx1">
+                      <a:lumMod val="75000"/>
+                      <a:lumOff val="25000"/>
+                    </a:schemeClr>
+                  </a:solidFill>
+                  <a:latin typeface="+mn-lt"/>
+                  <a:ea typeface="+mn-ea"/>
+                  <a:cs typeface="+mn-cs"/>
+                </a:defRPr>
+              </a:pPr>
+              <a:endParaRPr lang="en-US"/>
+            </a:p>
+          </c:txPr>
+          <c:showLegendKey val="0"/>
+          <c:showVal val="0"/>
+          <c:showCatName val="0"/>
+          <c:showSerName val="0"/>
+          <c:showPercent val="0"/>
+          <c:showBubbleSize val="0"/>
+          <c:extLst>
+            <c:ext xmlns:c15="http://schemas.microsoft.com/office/drawing/2012/chart" uri="{CE6537A1-D6FC-4f65-9D91-7224C49458BB}"/>
+          </c:extLst>
+        </c:dLbl>
+      </c:pivotFmt>
+      <c:pivotFmt>
+        <c:idx val="1"/>
+        <c:spPr>
+          <a:solidFill>
+            <a:schemeClr val="accent1"/>
+          </a:solidFill>
+          <a:ln>
+            <a:noFill/>
+          </a:ln>
+          <a:effectLst/>
+        </c:spPr>
+        <c:marker>
+          <c:symbol val="none"/>
+        </c:marker>
+        <c:dLbl>
+          <c:idx val="0"/>
+          <c:spPr>
+            <a:noFill/>
+            <a:ln>
+              <a:noFill/>
+            </a:ln>
+            <a:effectLst/>
+          </c:spPr>
+          <c:txPr>
+            <a:bodyPr rot="0" spcFirstLastPara="1" vertOverflow="ellipsis" vert="horz" wrap="square" lIns="38100" tIns="19050" rIns="38100" bIns="19050" anchor="ctr" anchorCtr="1">
+              <a:spAutoFit/>
+            </a:bodyPr>
+            <a:lstStyle/>
+            <a:p>
+              <a:pPr>
+                <a:defRPr sz="900" b="0" i="0" u="none" strike="noStrike" kern="1200" baseline="0">
+                  <a:solidFill>
+                    <a:schemeClr val="tx1">
+                      <a:lumMod val="75000"/>
+                      <a:lumOff val="25000"/>
+                    </a:schemeClr>
+                  </a:solidFill>
+                  <a:latin typeface="+mn-lt"/>
+                  <a:ea typeface="+mn-ea"/>
+                  <a:cs typeface="+mn-cs"/>
+                </a:defRPr>
+              </a:pPr>
+              <a:endParaRPr lang="en-US"/>
+            </a:p>
+          </c:txPr>
+          <c:showLegendKey val="0"/>
+          <c:showVal val="0"/>
+          <c:showCatName val="0"/>
+          <c:showSerName val="0"/>
+          <c:showPercent val="0"/>
+          <c:showBubbleSize val="0"/>
+          <c:extLst>
+            <c:ext xmlns:c15="http://schemas.microsoft.com/office/drawing/2012/chart" uri="{CE6537A1-D6FC-4f65-9D91-7224C49458BB}"/>
+          </c:extLst>
+        </c:dLbl>
+      </c:pivotFmt>
+      <c:pivotFmt>
+        <c:idx val="2"/>
+        <c:spPr>
+          <a:solidFill>
+            <a:schemeClr val="accent1"/>
+          </a:solidFill>
+          <a:ln>
+            <a:noFill/>
+          </a:ln>
+          <a:effectLst/>
+        </c:spPr>
+        <c:marker>
+          <c:symbol val="none"/>
+        </c:marker>
+        <c:dLbl>
+          <c:idx val="0"/>
+          <c:spPr>
+            <a:noFill/>
+            <a:ln>
+              <a:noFill/>
+            </a:ln>
+            <a:effectLst/>
+          </c:spPr>
+          <c:txPr>
+            <a:bodyPr rot="0" spcFirstLastPara="1" vertOverflow="ellipsis" vert="horz" wrap="square" lIns="38100" tIns="19050" rIns="38100" bIns="19050" anchor="ctr" anchorCtr="1">
+              <a:spAutoFit/>
+            </a:bodyPr>
+            <a:lstStyle/>
+            <a:p>
+              <a:pPr>
+                <a:defRPr sz="900" b="0" i="0" u="none" strike="noStrike" kern="1200" baseline="0">
+                  <a:solidFill>
+                    <a:schemeClr val="tx1">
+                      <a:lumMod val="75000"/>
+                      <a:lumOff val="25000"/>
+                    </a:schemeClr>
+                  </a:solidFill>
+                  <a:latin typeface="+mn-lt"/>
+                  <a:ea typeface="+mn-ea"/>
+                  <a:cs typeface="+mn-cs"/>
+                </a:defRPr>
+              </a:pPr>
+              <a:endParaRPr lang="en-US"/>
+            </a:p>
+          </c:txPr>
+          <c:showLegendKey val="0"/>
+          <c:showVal val="0"/>
+          <c:showCatName val="0"/>
+          <c:showSerName val="0"/>
+          <c:showPercent val="0"/>
+          <c:showBubbleSize val="0"/>
+          <c:extLst>
+            <c:ext xmlns:c15="http://schemas.microsoft.com/office/drawing/2012/chart" uri="{CE6537A1-D6FC-4f65-9D91-7224C49458BB}"/>
+          </c:extLst>
+        </c:dLbl>
+      </c:pivotFmt>
+      <c:pivotFmt>
+        <c:idx val="3"/>
+        <c:spPr>
+          <a:solidFill>
+            <a:schemeClr val="accent1"/>
+          </a:solidFill>
+          <a:ln>
+            <a:noFill/>
+          </a:ln>
+          <a:effectLst/>
+        </c:spPr>
+        <c:marker>
+          <c:symbol val="none"/>
+        </c:marker>
+        <c:dLbl>
+          <c:idx val="0"/>
+          <c:spPr>
+            <a:noFill/>
+            <a:ln>
+              <a:noFill/>
+            </a:ln>
+            <a:effectLst/>
+          </c:spPr>
+          <c:txPr>
+            <a:bodyPr rot="0" spcFirstLastPara="1" vertOverflow="ellipsis" vert="horz" wrap="square" lIns="38100" tIns="19050" rIns="38100" bIns="19050" anchor="ctr" anchorCtr="1">
+              <a:spAutoFit/>
+            </a:bodyPr>
+            <a:lstStyle/>
+            <a:p>
+              <a:pPr>
+                <a:defRPr sz="900" b="0" i="0" u="none" strike="noStrike" kern="1200" baseline="0">
+                  <a:solidFill>
+                    <a:schemeClr val="tx1">
+                      <a:lumMod val="75000"/>
+                      <a:lumOff val="25000"/>
+                    </a:schemeClr>
+                  </a:solidFill>
+                  <a:latin typeface="+mn-lt"/>
+                  <a:ea typeface="+mn-ea"/>
+                  <a:cs typeface="+mn-cs"/>
+                </a:defRPr>
+              </a:pPr>
+              <a:endParaRPr lang="en-US"/>
+            </a:p>
+          </c:txPr>
+          <c:showLegendKey val="0"/>
+          <c:showVal val="0"/>
+          <c:showCatName val="0"/>
+          <c:showSerName val="0"/>
+          <c:showPercent val="0"/>
+          <c:showBubbleSize val="0"/>
+          <c:extLst>
+            <c:ext xmlns:c15="http://schemas.microsoft.com/office/drawing/2012/chart" uri="{CE6537A1-D6FC-4f65-9D91-7224C49458BB}"/>
+          </c:extLst>
+        </c:dLbl>
+      </c:pivotFmt>
+      <c:pivotFmt>
+        <c:idx val="4"/>
+        <c:spPr>
+          <a:solidFill>
+            <a:schemeClr val="accent1"/>
+          </a:solidFill>
+          <a:ln>
+            <a:noFill/>
+          </a:ln>
+          <a:effectLst/>
+        </c:spPr>
+        <c:marker>
+          <c:symbol val="none"/>
+        </c:marker>
+        <c:dLbl>
+          <c:idx val="0"/>
+          <c:spPr>
+            <a:noFill/>
+            <a:ln>
+              <a:noFill/>
+            </a:ln>
+            <a:effectLst/>
+          </c:spPr>
+          <c:txPr>
+            <a:bodyPr rot="0" spcFirstLastPara="1" vertOverflow="ellipsis" vert="horz" wrap="square" lIns="38100" tIns="19050" rIns="38100" bIns="19050" anchor="ctr" anchorCtr="1">
+              <a:spAutoFit/>
+            </a:bodyPr>
+            <a:lstStyle/>
+            <a:p>
+              <a:pPr>
+                <a:defRPr sz="900" b="0" i="0" u="none" strike="noStrike" kern="1200" baseline="0">
+                  <a:solidFill>
+                    <a:schemeClr val="tx1">
+                      <a:lumMod val="75000"/>
+                      <a:lumOff val="25000"/>
+                    </a:schemeClr>
+                  </a:solidFill>
+                  <a:latin typeface="+mn-lt"/>
+                  <a:ea typeface="+mn-ea"/>
+                  <a:cs typeface="+mn-cs"/>
+                </a:defRPr>
+              </a:pPr>
+              <a:endParaRPr lang="en-US"/>
+            </a:p>
+          </c:txPr>
+          <c:showLegendKey val="0"/>
+          <c:showVal val="0"/>
+          <c:showCatName val="0"/>
+          <c:showSerName val="0"/>
+          <c:showPercent val="0"/>
+          <c:showBubbleSize val="0"/>
+          <c:extLst>
+            <c:ext xmlns:c15="http://schemas.microsoft.com/office/drawing/2012/chart" uri="{CE6537A1-D6FC-4f65-9D91-7224C49458BB}"/>
+          </c:extLst>
+        </c:dLbl>
+      </c:pivotFmt>
+      <c:pivotFmt>
+        <c:idx val="5"/>
+        <c:spPr>
+          <a:solidFill>
+            <a:schemeClr val="accent1"/>
+          </a:solidFill>
+          <a:ln>
+            <a:noFill/>
+          </a:ln>
+          <a:effectLst/>
+        </c:spPr>
+        <c:marker>
+          <c:symbol val="none"/>
+        </c:marker>
+        <c:dLbl>
+          <c:idx val="0"/>
+          <c:spPr>
+            <a:noFill/>
+            <a:ln>
+              <a:noFill/>
+            </a:ln>
+            <a:effectLst/>
+          </c:spPr>
+          <c:txPr>
+            <a:bodyPr rot="0" spcFirstLastPara="1" vertOverflow="ellipsis" vert="horz" wrap="square" lIns="38100" tIns="19050" rIns="38100" bIns="19050" anchor="ctr" anchorCtr="1">
+              <a:spAutoFit/>
+            </a:bodyPr>
+            <a:lstStyle/>
+            <a:p>
+              <a:pPr>
+                <a:defRPr sz="900" b="0" i="0" u="none" strike="noStrike" kern="1200" baseline="0">
+                  <a:solidFill>
+                    <a:schemeClr val="tx1">
+                      <a:lumMod val="75000"/>
+                      <a:lumOff val="25000"/>
+                    </a:schemeClr>
+                  </a:solidFill>
+                  <a:latin typeface="+mn-lt"/>
+                  <a:ea typeface="+mn-ea"/>
+                  <a:cs typeface="+mn-cs"/>
+                </a:defRPr>
+              </a:pPr>
+              <a:endParaRPr lang="en-US"/>
+            </a:p>
+          </c:txPr>
+          <c:showLegendKey val="0"/>
+          <c:showVal val="0"/>
+          <c:showCatName val="0"/>
+          <c:showSerName val="0"/>
+          <c:showPercent val="0"/>
+          <c:showBubbleSize val="0"/>
+          <c:extLst>
+            <c:ext xmlns:c15="http://schemas.microsoft.com/office/drawing/2012/chart" uri="{CE6537A1-D6FC-4f65-9D91-7224C49458BB}"/>
+          </c:extLst>
+        </c:dLbl>
+      </c:pivotFmt>
+      <c:pivotFmt>
+        <c:idx val="6"/>
+        <c:spPr>
+          <a:solidFill>
+            <a:schemeClr val="accent1"/>
+          </a:solidFill>
+          <a:ln>
+            <a:noFill/>
+          </a:ln>
+          <a:effectLst/>
+        </c:spPr>
+        <c:marker>
+          <c:symbol val="none"/>
+        </c:marker>
+        <c:dLbl>
+          <c:idx val="0"/>
+          <c:spPr>
+            <a:noFill/>
+            <a:ln>
+              <a:noFill/>
+            </a:ln>
+            <a:effectLst/>
+          </c:spPr>
+          <c:txPr>
+            <a:bodyPr rot="0" spcFirstLastPara="1" vertOverflow="ellipsis" vert="horz" wrap="square" lIns="38100" tIns="19050" rIns="38100" bIns="19050" anchor="ctr" anchorCtr="1">
+              <a:spAutoFit/>
+            </a:bodyPr>
+            <a:lstStyle/>
+            <a:p>
+              <a:pPr>
+                <a:defRPr sz="900" b="0" i="0" u="none" strike="noStrike" kern="1200" baseline="0">
+                  <a:solidFill>
+                    <a:schemeClr val="tx1">
+                      <a:lumMod val="75000"/>
+                      <a:lumOff val="25000"/>
+                    </a:schemeClr>
+                  </a:solidFill>
+                  <a:latin typeface="+mn-lt"/>
+                  <a:ea typeface="+mn-ea"/>
+                  <a:cs typeface="+mn-cs"/>
+                </a:defRPr>
+              </a:pPr>
+              <a:endParaRPr lang="en-US"/>
+            </a:p>
+          </c:txPr>
+          <c:showLegendKey val="0"/>
+          <c:showVal val="0"/>
+          <c:showCatName val="0"/>
+          <c:showSerName val="0"/>
+          <c:showPercent val="0"/>
+          <c:showBubbleSize val="0"/>
+          <c:extLst>
+            <c:ext xmlns:c15="http://schemas.microsoft.com/office/drawing/2012/chart" uri="{CE6537A1-D6FC-4f65-9D91-7224C49458BB}"/>
+          </c:extLst>
+        </c:dLbl>
+      </c:pivotFmt>
+      <c:pivotFmt>
+        <c:idx val="7"/>
+        <c:spPr>
+          <a:solidFill>
+            <a:schemeClr val="accent1"/>
+          </a:solidFill>
+          <a:ln>
+            <a:noFill/>
+          </a:ln>
+          <a:effectLst/>
+        </c:spPr>
+        <c:marker>
+          <c:symbol val="none"/>
+        </c:marker>
+        <c:dLbl>
+          <c:idx val="0"/>
+          <c:spPr>
+            <a:noFill/>
+            <a:ln>
+              <a:noFill/>
+            </a:ln>
+            <a:effectLst/>
+          </c:spPr>
+          <c:txPr>
+            <a:bodyPr rot="0" spcFirstLastPara="1" vertOverflow="ellipsis" vert="horz" wrap="square" lIns="38100" tIns="19050" rIns="38100" bIns="19050" anchor="ctr" anchorCtr="1">
+              <a:spAutoFit/>
+            </a:bodyPr>
+            <a:lstStyle/>
+            <a:p>
+              <a:pPr>
+                <a:defRPr sz="900" b="0" i="0" u="none" strike="noStrike" kern="1200" baseline="0">
+                  <a:solidFill>
+                    <a:schemeClr val="tx1">
+                      <a:lumMod val="75000"/>
+                      <a:lumOff val="25000"/>
+                    </a:schemeClr>
+                  </a:solidFill>
+                  <a:latin typeface="+mn-lt"/>
+                  <a:ea typeface="+mn-ea"/>
+                  <a:cs typeface="+mn-cs"/>
+                </a:defRPr>
+              </a:pPr>
+              <a:endParaRPr lang="en-US"/>
+            </a:p>
+          </c:txPr>
+          <c:showLegendKey val="0"/>
+          <c:showVal val="0"/>
+          <c:showCatName val="0"/>
+          <c:showSerName val="0"/>
+          <c:showPercent val="0"/>
+          <c:showBubbleSize val="0"/>
+          <c:extLst>
+            <c:ext xmlns:c15="http://schemas.microsoft.com/office/drawing/2012/chart" uri="{CE6537A1-D6FC-4f65-9D91-7224C49458BB}"/>
+          </c:extLst>
+        </c:dLbl>
+      </c:pivotFmt>
+      <c:pivotFmt>
+        <c:idx val="8"/>
+        <c:spPr>
+          <a:solidFill>
+            <a:schemeClr val="accent1"/>
+          </a:solidFill>
+          <a:ln>
+            <a:noFill/>
+          </a:ln>
+          <a:effectLst/>
+        </c:spPr>
+        <c:marker>
+          <c:symbol val="none"/>
+        </c:marker>
+        <c:dLbl>
+          <c:idx val="0"/>
+          <c:spPr>
+            <a:noFill/>
+            <a:ln>
+              <a:noFill/>
+            </a:ln>
+            <a:effectLst/>
+          </c:spPr>
+          <c:txPr>
+            <a:bodyPr rot="0" spcFirstLastPara="1" vertOverflow="ellipsis" vert="horz" wrap="square" lIns="38100" tIns="19050" rIns="38100" bIns="19050" anchor="ctr" anchorCtr="1">
+              <a:spAutoFit/>
+            </a:bodyPr>
+            <a:lstStyle/>
+            <a:p>
+              <a:pPr>
+                <a:defRPr sz="900" b="0" i="0" u="none" strike="noStrike" kern="1200" baseline="0">
+                  <a:solidFill>
+                    <a:schemeClr val="tx1">
+                      <a:lumMod val="75000"/>
+                      <a:lumOff val="25000"/>
+                    </a:schemeClr>
+                  </a:solidFill>
+                  <a:latin typeface="+mn-lt"/>
+                  <a:ea typeface="+mn-ea"/>
+                  <a:cs typeface="+mn-cs"/>
+                </a:defRPr>
+              </a:pPr>
+              <a:endParaRPr lang="en-US"/>
+            </a:p>
+          </c:txPr>
+          <c:showLegendKey val="0"/>
+          <c:showVal val="0"/>
+          <c:showCatName val="0"/>
+          <c:showSerName val="0"/>
+          <c:showPercent val="0"/>
+          <c:showBubbleSize val="0"/>
+          <c:extLst>
+            <c:ext xmlns:c15="http://schemas.microsoft.com/office/drawing/2012/chart" uri="{CE6537A1-D6FC-4f65-9D91-7224C49458BB}"/>
+          </c:extLst>
+        </c:dLbl>
+      </c:pivotFmt>
+      <c:pivotFmt>
+        <c:idx val="9"/>
+        <c:spPr>
+          <a:solidFill>
+            <a:schemeClr val="accent1"/>
+          </a:solidFill>
+          <a:ln>
+            <a:noFill/>
+          </a:ln>
+          <a:effectLst/>
+        </c:spPr>
+        <c:marker>
+          <c:symbol val="none"/>
+        </c:marker>
+        <c:dLbl>
+          <c:idx val="0"/>
+          <c:spPr>
+            <a:noFill/>
+            <a:ln>
+              <a:noFill/>
+            </a:ln>
+            <a:effectLst/>
+          </c:spPr>
+          <c:txPr>
+            <a:bodyPr rot="0" spcFirstLastPara="1" vertOverflow="ellipsis" vert="horz" wrap="square" lIns="38100" tIns="19050" rIns="38100" bIns="19050" anchor="ctr" anchorCtr="1">
+              <a:spAutoFit/>
+            </a:bodyPr>
+            <a:lstStyle/>
+            <a:p>
+              <a:pPr>
+                <a:defRPr sz="900" b="0" i="0" u="none" strike="noStrike" kern="1200" baseline="0">
+                  <a:solidFill>
+                    <a:schemeClr val="tx1">
+                      <a:lumMod val="75000"/>
+                      <a:lumOff val="25000"/>
+                    </a:schemeClr>
+                  </a:solidFill>
+                  <a:latin typeface="+mn-lt"/>
+                  <a:ea typeface="+mn-ea"/>
+                  <a:cs typeface="+mn-cs"/>
+                </a:defRPr>
+              </a:pPr>
+              <a:endParaRPr lang="en-US"/>
+            </a:p>
+          </c:txPr>
+          <c:showLegendKey val="0"/>
+          <c:showVal val="0"/>
+          <c:showCatName val="0"/>
+          <c:showSerName val="0"/>
+          <c:showPercent val="0"/>
+          <c:showBubbleSize val="0"/>
+          <c:extLst>
+            <c:ext xmlns:c15="http://schemas.microsoft.com/office/drawing/2012/chart" uri="{CE6537A1-D6FC-4f65-9D91-7224C49458BB}"/>
+          </c:extLst>
+        </c:dLbl>
+      </c:pivotFmt>
+      <c:pivotFmt>
+        <c:idx val="10"/>
+        <c:spPr>
+          <a:solidFill>
+            <a:schemeClr val="accent1"/>
+          </a:solidFill>
+          <a:ln>
+            <a:noFill/>
+          </a:ln>
+          <a:effectLst/>
+        </c:spPr>
+        <c:marker>
+          <c:symbol val="none"/>
+        </c:marker>
+        <c:dLbl>
+          <c:idx val="0"/>
+          <c:spPr>
+            <a:noFill/>
+            <a:ln>
+              <a:noFill/>
+            </a:ln>
+            <a:effectLst/>
+          </c:spPr>
+          <c:txPr>
+            <a:bodyPr rot="0" spcFirstLastPara="1" vertOverflow="ellipsis" vert="horz" wrap="square" lIns="38100" tIns="19050" rIns="38100" bIns="19050" anchor="ctr" anchorCtr="1">
+              <a:spAutoFit/>
+            </a:bodyPr>
+            <a:lstStyle/>
+            <a:p>
+              <a:pPr>
+                <a:defRPr sz="900" b="0" i="0" u="none" strike="noStrike" kern="1200" baseline="0">
+                  <a:solidFill>
+                    <a:schemeClr val="tx1">
+                      <a:lumMod val="75000"/>
+                      <a:lumOff val="25000"/>
+                    </a:schemeClr>
+                  </a:solidFill>
+                  <a:latin typeface="+mn-lt"/>
+                  <a:ea typeface="+mn-ea"/>
+                  <a:cs typeface="+mn-cs"/>
+                </a:defRPr>
+              </a:pPr>
+              <a:endParaRPr lang="en-US"/>
+            </a:p>
+          </c:txPr>
+          <c:showLegendKey val="0"/>
+          <c:showVal val="0"/>
+          <c:showCatName val="0"/>
+          <c:showSerName val="0"/>
+          <c:showPercent val="0"/>
+          <c:showBubbleSize val="0"/>
+          <c:extLst>
+            <c:ext xmlns:c15="http://schemas.microsoft.com/office/drawing/2012/chart" uri="{CE6537A1-D6FC-4f65-9D91-7224C49458BB}"/>
+          </c:extLst>
+        </c:dLbl>
+      </c:pivotFmt>
+      <c:pivotFmt>
+        <c:idx val="11"/>
+        <c:spPr>
+          <a:solidFill>
+            <a:schemeClr val="accent1"/>
+          </a:solidFill>
+          <a:ln>
+            <a:noFill/>
+          </a:ln>
+          <a:effectLst/>
+        </c:spPr>
+        <c:marker>
+          <c:symbol val="none"/>
+        </c:marker>
+        <c:dLbl>
+          <c:idx val="0"/>
+          <c:spPr>
+            <a:noFill/>
+            <a:ln>
+              <a:noFill/>
+            </a:ln>
+            <a:effectLst/>
+          </c:spPr>
+          <c:txPr>
+            <a:bodyPr rot="0" spcFirstLastPara="1" vertOverflow="ellipsis" vert="horz" wrap="square" lIns="38100" tIns="19050" rIns="38100" bIns="19050" anchor="ctr" anchorCtr="1">
+              <a:spAutoFit/>
+            </a:bodyPr>
+            <a:lstStyle/>
+            <a:p>
+              <a:pPr>
+                <a:defRPr sz="900" b="0" i="0" u="none" strike="noStrike" kern="1200" baseline="0">
+                  <a:solidFill>
+                    <a:schemeClr val="tx1">
+                      <a:lumMod val="75000"/>
+                      <a:lumOff val="25000"/>
+                    </a:schemeClr>
+                  </a:solidFill>
+                  <a:latin typeface="+mn-lt"/>
+                  <a:ea typeface="+mn-ea"/>
+                  <a:cs typeface="+mn-cs"/>
+                </a:defRPr>
+              </a:pPr>
+              <a:endParaRPr lang="en-US"/>
+            </a:p>
+          </c:txPr>
+          <c:showLegendKey val="0"/>
+          <c:showVal val="0"/>
+          <c:showCatName val="0"/>
+          <c:showSerName val="0"/>
+          <c:showPercent val="0"/>
+          <c:showBubbleSize val="0"/>
+          <c:extLst>
+            <c:ext xmlns:c15="http://schemas.microsoft.com/office/drawing/2012/chart" uri="{CE6537A1-D6FC-4f65-9D91-7224C49458BB}"/>
+          </c:extLst>
+        </c:dLbl>
+      </c:pivotFmt>
+      <c:pivotFmt>
+        <c:idx val="12"/>
+        <c:spPr>
+          <a:solidFill>
+            <a:schemeClr val="accent1"/>
+          </a:solidFill>
+          <a:ln>
+            <a:noFill/>
+          </a:ln>
+          <a:effectLst/>
+        </c:spPr>
+        <c:marker>
+          <c:symbol val="none"/>
+        </c:marker>
+        <c:dLbl>
+          <c:idx val="0"/>
+          <c:spPr>
+            <a:noFill/>
+            <a:ln>
+              <a:noFill/>
+            </a:ln>
+            <a:effectLst/>
+          </c:spPr>
+          <c:txPr>
+            <a:bodyPr rot="0" spcFirstLastPara="1" vertOverflow="ellipsis" vert="horz" wrap="square" lIns="38100" tIns="19050" rIns="38100" bIns="19050" anchor="ctr" anchorCtr="1">
+              <a:spAutoFit/>
+            </a:bodyPr>
+            <a:lstStyle/>
+            <a:p>
+              <a:pPr>
+                <a:defRPr sz="900" b="0" i="0" u="none" strike="noStrike" kern="1200" baseline="0">
+                  <a:solidFill>
+                    <a:schemeClr val="tx1">
+                      <a:lumMod val="75000"/>
+                      <a:lumOff val="25000"/>
+                    </a:schemeClr>
+                  </a:solidFill>
+                  <a:latin typeface="+mn-lt"/>
+                  <a:ea typeface="+mn-ea"/>
+                  <a:cs typeface="+mn-cs"/>
+                </a:defRPr>
+              </a:pPr>
+              <a:endParaRPr lang="en-US"/>
+            </a:p>
+          </c:txPr>
+          <c:showLegendKey val="0"/>
+          <c:showVal val="0"/>
+          <c:showCatName val="0"/>
+          <c:showSerName val="0"/>
+          <c:showPercent val="0"/>
+          <c:showBubbleSize val="0"/>
+          <c:extLst>
+            <c:ext xmlns:c15="http://schemas.microsoft.com/office/drawing/2012/chart" uri="{CE6537A1-D6FC-4f65-9D91-7224C49458BB}"/>
+          </c:extLst>
+        </c:dLbl>
+      </c:pivotFmt>
+      <c:pivotFmt>
+        <c:idx val="13"/>
+        <c:spPr>
+          <a:solidFill>
+            <a:schemeClr val="accent1"/>
+          </a:solidFill>
+          <a:ln>
+            <a:noFill/>
+          </a:ln>
+          <a:effectLst/>
+        </c:spPr>
+        <c:marker>
+          <c:symbol val="none"/>
+        </c:marker>
+        <c:dLbl>
+          <c:idx val="0"/>
+          <c:spPr>
+            <a:noFill/>
+            <a:ln>
+              <a:noFill/>
+            </a:ln>
+            <a:effectLst/>
+          </c:spPr>
+          <c:txPr>
+            <a:bodyPr rot="0" spcFirstLastPara="1" vertOverflow="ellipsis" vert="horz" wrap="square" lIns="38100" tIns="19050" rIns="38100" bIns="19050" anchor="ctr" anchorCtr="1">
+              <a:spAutoFit/>
+            </a:bodyPr>
+            <a:lstStyle/>
+            <a:p>
+              <a:pPr>
+                <a:defRPr sz="900" b="0" i="0" u="none" strike="noStrike" kern="1200" baseline="0">
+                  <a:solidFill>
+                    <a:schemeClr val="tx1">
+                      <a:lumMod val="75000"/>
+                      <a:lumOff val="25000"/>
+                    </a:schemeClr>
+                  </a:solidFill>
+                  <a:latin typeface="+mn-lt"/>
+                  <a:ea typeface="+mn-ea"/>
+                  <a:cs typeface="+mn-cs"/>
+                </a:defRPr>
+              </a:pPr>
+              <a:endParaRPr lang="en-US"/>
+            </a:p>
+          </c:txPr>
+          <c:showLegendKey val="0"/>
+          <c:showVal val="0"/>
+          <c:showCatName val="0"/>
+          <c:showSerName val="0"/>
+          <c:showPercent val="0"/>
+          <c:showBubbleSize val="0"/>
+          <c:extLst>
+            <c:ext xmlns:c15="http://schemas.microsoft.com/office/drawing/2012/chart" uri="{CE6537A1-D6FC-4f65-9D91-7224C49458BB}"/>
+          </c:extLst>
+        </c:dLbl>
+      </c:pivotFmt>
+      <c:pivotFmt>
+        <c:idx val="14"/>
+        <c:spPr>
+          <a:solidFill>
+            <a:schemeClr val="accent1"/>
+          </a:solidFill>
+          <a:ln>
+            <a:noFill/>
+          </a:ln>
+          <a:effectLst/>
+        </c:spPr>
+        <c:marker>
+          <c:symbol val="none"/>
+        </c:marker>
+        <c:dLbl>
+          <c:idx val="0"/>
+          <c:spPr>
+            <a:noFill/>
+            <a:ln>
+              <a:noFill/>
+            </a:ln>
+            <a:effectLst/>
+          </c:spPr>
+          <c:txPr>
+            <a:bodyPr rot="0" spcFirstLastPara="1" vertOverflow="ellipsis" vert="horz" wrap="square" lIns="38100" tIns="19050" rIns="38100" bIns="19050" anchor="ctr" anchorCtr="1">
+              <a:spAutoFit/>
+            </a:bodyPr>
+            <a:lstStyle/>
+            <a:p>
+              <a:pPr>
+                <a:defRPr sz="900" b="0" i="0" u="none" strike="noStrike" kern="1200" baseline="0">
+                  <a:solidFill>
+                    <a:schemeClr val="tx1">
+                      <a:lumMod val="75000"/>
+                      <a:lumOff val="25000"/>
+                    </a:schemeClr>
+                  </a:solidFill>
+                  <a:latin typeface="+mn-lt"/>
+                  <a:ea typeface="+mn-ea"/>
+                  <a:cs typeface="+mn-cs"/>
+                </a:defRPr>
+              </a:pPr>
+              <a:endParaRPr lang="en-US"/>
+            </a:p>
+          </c:txPr>
+          <c:showLegendKey val="0"/>
+          <c:showVal val="0"/>
+          <c:showCatName val="0"/>
+          <c:showSerName val="0"/>
+          <c:showPercent val="0"/>
+          <c:showBubbleSize val="0"/>
+          <c:extLst>
+            <c:ext xmlns:c15="http://schemas.microsoft.com/office/drawing/2012/chart" uri="{CE6537A1-D6FC-4f65-9D91-7224C49458BB}"/>
+          </c:extLst>
+        </c:dLbl>
+      </c:pivotFmt>
+      <c:pivotFmt>
+        <c:idx val="15"/>
+        <c:spPr>
+          <a:solidFill>
+            <a:schemeClr val="accent1"/>
+          </a:solidFill>
+          <a:ln>
+            <a:noFill/>
+          </a:ln>
+          <a:effectLst/>
+        </c:spPr>
+        <c:marker>
+          <c:symbol val="none"/>
+        </c:marker>
+        <c:dLbl>
+          <c:idx val="0"/>
+          <c:spPr>
+            <a:noFill/>
+            <a:ln>
+              <a:noFill/>
+            </a:ln>
+            <a:effectLst/>
+          </c:spPr>
+          <c:txPr>
+            <a:bodyPr rot="0" spcFirstLastPara="1" vertOverflow="ellipsis" vert="horz" wrap="square" lIns="38100" tIns="19050" rIns="38100" bIns="19050" anchor="ctr" anchorCtr="1">
+              <a:spAutoFit/>
+            </a:bodyPr>
+            <a:lstStyle/>
+            <a:p>
+              <a:pPr>
+                <a:defRPr sz="900" b="0" i="0" u="none" strike="noStrike" kern="1200" baseline="0">
+                  <a:solidFill>
+                    <a:schemeClr val="tx1">
+                      <a:lumMod val="75000"/>
+                      <a:lumOff val="25000"/>
+                    </a:schemeClr>
+                  </a:solidFill>
+                  <a:latin typeface="+mn-lt"/>
+                  <a:ea typeface="+mn-ea"/>
+                  <a:cs typeface="+mn-cs"/>
+                </a:defRPr>
+              </a:pPr>
+              <a:endParaRPr lang="en-US"/>
+            </a:p>
+          </c:txPr>
+          <c:showLegendKey val="0"/>
+          <c:showVal val="0"/>
+          <c:showCatName val="0"/>
+          <c:showSerName val="0"/>
+          <c:showPercent val="0"/>
+          <c:showBubbleSize val="0"/>
+          <c:extLst>
+            <c:ext xmlns:c15="http://schemas.microsoft.com/office/drawing/2012/chart" uri="{CE6537A1-D6FC-4f65-9D91-7224C49458BB}"/>
+          </c:extLst>
+        </c:dLbl>
+      </c:pivotFmt>
+      <c:pivotFmt>
+        <c:idx val="16"/>
+        <c:spPr>
+          <a:solidFill>
+            <a:schemeClr val="accent1"/>
+          </a:solidFill>
+          <a:ln>
+            <a:noFill/>
+          </a:ln>
+          <a:effectLst/>
+        </c:spPr>
+        <c:marker>
+          <c:symbol val="none"/>
+        </c:marker>
+        <c:dLbl>
+          <c:idx val="0"/>
+          <c:spPr>
+            <a:noFill/>
+            <a:ln>
+              <a:noFill/>
+            </a:ln>
+            <a:effectLst/>
+          </c:spPr>
+          <c:txPr>
+            <a:bodyPr rot="0" spcFirstLastPara="1" vertOverflow="ellipsis" vert="horz" wrap="square" lIns="38100" tIns="19050" rIns="38100" bIns="19050" anchor="ctr" anchorCtr="1">
+              <a:spAutoFit/>
+            </a:bodyPr>
+            <a:lstStyle/>
+            <a:p>
+              <a:pPr>
+                <a:defRPr sz="900" b="0" i="0" u="none" strike="noStrike" kern="1200" baseline="0">
+                  <a:solidFill>
+                    <a:schemeClr val="tx1">
+                      <a:lumMod val="75000"/>
+                      <a:lumOff val="25000"/>
+                    </a:schemeClr>
+                  </a:solidFill>
+                  <a:latin typeface="+mn-lt"/>
+                  <a:ea typeface="+mn-ea"/>
+                  <a:cs typeface="+mn-cs"/>
+                </a:defRPr>
+              </a:pPr>
+              <a:endParaRPr lang="en-US"/>
+            </a:p>
+          </c:txPr>
+          <c:showLegendKey val="0"/>
+          <c:showVal val="0"/>
+          <c:showCatName val="0"/>
+          <c:showSerName val="0"/>
+          <c:showPercent val="0"/>
+          <c:showBubbleSize val="0"/>
+          <c:extLst>
+            <c:ext xmlns:c15="http://schemas.microsoft.com/office/drawing/2012/chart" uri="{CE6537A1-D6FC-4f65-9D91-7224C49458BB}"/>
+          </c:extLst>
+        </c:dLbl>
+      </c:pivotFmt>
+    </c:pivotFmts>
+    <c:plotArea>
+      <c:layout/>
+      <c:barChart>
+        <c:barDir val="bar"/>
+        <c:grouping val="clustered"/>
+        <c:varyColors val="0"/>
+        <c:ser>
+          <c:idx val="0"/>
+          <c:order val="0"/>
+          <c:tx>
+            <c:strRef>
+              <c:f>Sheet1!$B$3:$B$4</c:f>
+              <c:strCache>
+                <c:ptCount val="1"/>
+                <c:pt idx="0">
+                  <c:v>Exceeds</c:v>
+                </c:pt>
+              </c:strCache>
+            </c:strRef>
+          </c:tx>
+          <c:spPr>
+            <a:solidFill>
+              <a:schemeClr val="accent1"/>
+            </a:solidFill>
+            <a:ln>
+              <a:noFill/>
+            </a:ln>
+            <a:effectLst/>
+          </c:spPr>
+          <c:invertIfNegative val="0"/>
+          <c:cat>
+            <c:strRef>
+              <c:f>Sheet1!$A$5:$A$15</c:f>
+              <c:strCache>
+                <c:ptCount val="10"/>
+                <c:pt idx="0">
+                  <c:v>BPC</c:v>
+                </c:pt>
+                <c:pt idx="1">
+                  <c:v>CCDR</c:v>
+                </c:pt>
+                <c:pt idx="2">
+                  <c:v>EW</c:v>
+                </c:pt>
+                <c:pt idx="3">
+                  <c:v>MSC</c:v>
+                </c:pt>
+                <c:pt idx="4">
+                  <c:v>NEL</c:v>
+                </c:pt>
+                <c:pt idx="5">
+                  <c:v>PL</c:v>
+                </c:pt>
+                <c:pt idx="6">
+                  <c:v>PYZ</c:v>
+                </c:pt>
+                <c:pt idx="7">
+                  <c:v>SVG</c:v>
+                </c:pt>
+                <c:pt idx="8">
+                  <c:v>TNS</c:v>
+                </c:pt>
+                <c:pt idx="9">
+                  <c:v>WBL</c:v>
+                </c:pt>
+              </c:strCache>
+            </c:strRef>
+          </c:cat>
+          <c:val>
+            <c:numRef>
+              <c:f>Sheet1!$B$5:$B$15</c:f>
+              <c:numCache>
+                <c:formatCode>General</c:formatCode>
+                <c:ptCount val="10"/>
+                <c:pt idx="0">
+                  <c:v>36</c:v>
+                </c:pt>
+                <c:pt idx="1">
+                  <c:v>39</c:v>
+                </c:pt>
+                <c:pt idx="2">
+                  <c:v>39</c:v>
+                </c:pt>
+                <c:pt idx="3">
+                  <c:v>39</c:v>
+                </c:pt>
+                <c:pt idx="4">
+                  <c:v>30</c:v>
+                </c:pt>
+                <c:pt idx="5">
+                  <c:v>34</c:v>
+                </c:pt>
+                <c:pt idx="6">
+                  <c:v>35</c:v>
+                </c:pt>
+                <c:pt idx="7">
+                  <c:v>46</c:v>
+                </c:pt>
+                <c:pt idx="8">
+                  <c:v>41</c:v>
+                </c:pt>
+                <c:pt idx="9">
+                  <c:v>30</c:v>
+                </c:pt>
+              </c:numCache>
+            </c:numRef>
+          </c:val>
+          <c:extLst>
+            <c:ext xmlns:c16="http://schemas.microsoft.com/office/drawing/2014/chart" uri="{C3380CC4-5D6E-409C-BE32-E72D297353CC}">
+              <c16:uniqueId val="{00000000-7CBA-48BD-A0F0-1388B4DC7531}"/>
+            </c:ext>
+          </c:extLst>
+        </c:ser>
+        <c:ser>
+          <c:idx val="1"/>
+          <c:order val="1"/>
+          <c:tx>
+            <c:strRef>
+              <c:f>Sheet1!$C$3:$C$4</c:f>
+              <c:strCache>
+                <c:ptCount val="1"/>
+                <c:pt idx="0">
+                  <c:v>Fully Meets</c:v>
+                </c:pt>
+              </c:strCache>
+            </c:strRef>
+          </c:tx>
+          <c:spPr>
+            <a:solidFill>
+              <a:schemeClr val="accent2"/>
+            </a:solidFill>
+            <a:ln>
+              <a:noFill/>
+            </a:ln>
+            <a:effectLst/>
+          </c:spPr>
+          <c:invertIfNegative val="0"/>
+          <c:cat>
+            <c:strRef>
+              <c:f>Sheet1!$A$5:$A$15</c:f>
+              <c:strCache>
+                <c:ptCount val="10"/>
+                <c:pt idx="0">
+                  <c:v>BPC</c:v>
+                </c:pt>
+                <c:pt idx="1">
+                  <c:v>CCDR</c:v>
+                </c:pt>
+                <c:pt idx="2">
+                  <c:v>EW</c:v>
+                </c:pt>
+                <c:pt idx="3">
+                  <c:v>MSC</c:v>
+                </c:pt>
+                <c:pt idx="4">
+                  <c:v>NEL</c:v>
+                </c:pt>
+                <c:pt idx="5">
+                  <c:v>PL</c:v>
+                </c:pt>
+                <c:pt idx="6">
+                  <c:v>PYZ</c:v>
+                </c:pt>
+                <c:pt idx="7">
+                  <c:v>SVG</c:v>
+                </c:pt>
+                <c:pt idx="8">
+                  <c:v>TNS</c:v>
+                </c:pt>
+                <c:pt idx="9">
+                  <c:v>WBL</c:v>
+                </c:pt>
+              </c:strCache>
+            </c:strRef>
+          </c:cat>
+          <c:val>
+            <c:numRef>
+              <c:f>Sheet1!$C$5:$C$15</c:f>
+              <c:numCache>
+                <c:formatCode>General</c:formatCode>
+                <c:ptCount val="10"/>
+                <c:pt idx="0">
+                  <c:v>235</c:v>
+                </c:pt>
+                <c:pt idx="1">
+                  <c:v>234</c:v>
+                </c:pt>
+                <c:pt idx="2">
+                  <c:v>240</c:v>
+                </c:pt>
+                <c:pt idx="3">
+                  <c:v>226</c:v>
+                </c:pt>
+                <c:pt idx="4">
+                  <c:v>251</c:v>
+                </c:pt>
+                <c:pt idx="5">
+                  <c:v>241</c:v>
+                </c:pt>
+                <c:pt idx="6">
+                  <c:v>228</c:v>
+                </c:pt>
+                <c:pt idx="7">
+                  <c:v>233</c:v>
+                </c:pt>
+                <c:pt idx="8">
+                  <c:v>233</c:v>
+                </c:pt>
+                <c:pt idx="9">
+                  <c:v>240</c:v>
+                </c:pt>
+              </c:numCache>
+            </c:numRef>
+          </c:val>
+          <c:extLst>
+            <c:ext xmlns:c16="http://schemas.microsoft.com/office/drawing/2014/chart" uri="{C3380CC4-5D6E-409C-BE32-E72D297353CC}">
+              <c16:uniqueId val="{00000001-7CBA-48BD-A0F0-1388B4DC7531}"/>
+            </c:ext>
+          </c:extLst>
+        </c:ser>
+        <c:ser>
+          <c:idx val="2"/>
+          <c:order val="2"/>
+          <c:tx>
+            <c:strRef>
+              <c:f>Sheet1!$D$3:$D$4</c:f>
+              <c:strCache>
+                <c:ptCount val="1"/>
+                <c:pt idx="0">
+                  <c:v>Needs Improvement</c:v>
+                </c:pt>
+              </c:strCache>
+            </c:strRef>
+          </c:tx>
+          <c:spPr>
+            <a:solidFill>
+              <a:schemeClr val="accent3"/>
+            </a:solidFill>
+            <a:ln>
+              <a:noFill/>
+            </a:ln>
+            <a:effectLst/>
+          </c:spPr>
+          <c:invertIfNegative val="0"/>
+          <c:cat>
+            <c:strRef>
+              <c:f>Sheet1!$A$5:$A$15</c:f>
+              <c:strCache>
+                <c:ptCount val="10"/>
+                <c:pt idx="0">
+                  <c:v>BPC</c:v>
+                </c:pt>
+                <c:pt idx="1">
+                  <c:v>CCDR</c:v>
+                </c:pt>
+                <c:pt idx="2">
+                  <c:v>EW</c:v>
+                </c:pt>
+                <c:pt idx="3">
+                  <c:v>MSC</c:v>
+                </c:pt>
+                <c:pt idx="4">
+                  <c:v>NEL</c:v>
+                </c:pt>
+                <c:pt idx="5">
+                  <c:v>PL</c:v>
+                </c:pt>
+                <c:pt idx="6">
+                  <c:v>PYZ</c:v>
+                </c:pt>
+                <c:pt idx="7">
+                  <c:v>SVG</c:v>
+                </c:pt>
+                <c:pt idx="8">
+                  <c:v>TNS</c:v>
+                </c:pt>
+                <c:pt idx="9">
+                  <c:v>WBL</c:v>
+                </c:pt>
+              </c:strCache>
+            </c:strRef>
+          </c:cat>
+          <c:val>
+            <c:numRef>
+              <c:f>Sheet1!$D$5:$D$15</c:f>
+              <c:numCache>
+                <c:formatCode>General</c:formatCode>
+                <c:ptCount val="10"/>
+                <c:pt idx="0">
+                  <c:v>24</c:v>
+                </c:pt>
+                <c:pt idx="1">
+                  <c:v>17</c:v>
+                </c:pt>
+                <c:pt idx="2">
+                  <c:v>16</c:v>
+                </c:pt>
+                <c:pt idx="3">
+                  <c:v>20</c:v>
+                </c:pt>
+                <c:pt idx="4">
+                  <c:v>11</c:v>
+                </c:pt>
+                <c:pt idx="5">
+                  <c:v>16</c:v>
+                </c:pt>
+                <c:pt idx="6">
+                  <c:v>23</c:v>
+                </c:pt>
+                <c:pt idx="7">
+                  <c:v>20</c:v>
+                </c:pt>
+                <c:pt idx="8">
+                  <c:v>15</c:v>
+                </c:pt>
+                <c:pt idx="9">
+                  <c:v>15</c:v>
+                </c:pt>
+              </c:numCache>
+            </c:numRef>
+          </c:val>
+          <c:extLst>
+            <c:ext xmlns:c16="http://schemas.microsoft.com/office/drawing/2014/chart" uri="{C3380CC4-5D6E-409C-BE32-E72D297353CC}">
+              <c16:uniqueId val="{00000002-7CBA-48BD-A0F0-1388B4DC7531}"/>
+            </c:ext>
+          </c:extLst>
+        </c:ser>
+        <c:ser>
+          <c:idx val="3"/>
+          <c:order val="3"/>
+          <c:tx>
+            <c:strRef>
+              <c:f>Sheet1!$E$3:$E$4</c:f>
+              <c:strCache>
+                <c:ptCount val="1"/>
+                <c:pt idx="0">
+                  <c:v>PIP</c:v>
+                </c:pt>
+              </c:strCache>
+            </c:strRef>
+          </c:tx>
+          <c:spPr>
+            <a:solidFill>
+              <a:schemeClr val="accent4"/>
+            </a:solidFill>
+            <a:ln>
+              <a:noFill/>
+            </a:ln>
+            <a:effectLst/>
+          </c:spPr>
+          <c:invertIfNegative val="0"/>
+          <c:cat>
+            <c:strRef>
+              <c:f>Sheet1!$A$5:$A$15</c:f>
+              <c:strCache>
+                <c:ptCount val="10"/>
+                <c:pt idx="0">
+                  <c:v>BPC</c:v>
+                </c:pt>
+                <c:pt idx="1">
+                  <c:v>CCDR</c:v>
+                </c:pt>
+                <c:pt idx="2">
+                  <c:v>EW</c:v>
+                </c:pt>
+                <c:pt idx="3">
+                  <c:v>MSC</c:v>
+                </c:pt>
+                <c:pt idx="4">
+                  <c:v>NEL</c:v>
+                </c:pt>
+                <c:pt idx="5">
+                  <c:v>PL</c:v>
+                </c:pt>
+                <c:pt idx="6">
+                  <c:v>PYZ</c:v>
+                </c:pt>
+                <c:pt idx="7">
+                  <c:v>SVG</c:v>
+                </c:pt>
+                <c:pt idx="8">
+                  <c:v>TNS</c:v>
+                </c:pt>
+                <c:pt idx="9">
+                  <c:v>WBL</c:v>
+                </c:pt>
+              </c:strCache>
+            </c:strRef>
+          </c:cat>
+          <c:val>
+            <c:numRef>
+              <c:f>Sheet1!$E$5:$E$15</c:f>
+              <c:numCache>
+                <c:formatCode>General</c:formatCode>
+                <c:ptCount val="10"/>
+                <c:pt idx="0">
+                  <c:v>8</c:v>
+                </c:pt>
+                <c:pt idx="1">
+                  <c:v>10</c:v>
+                </c:pt>
+                <c:pt idx="2">
+                  <c:v>7</c:v>
+                </c:pt>
+                <c:pt idx="3">
+                  <c:v>11</c:v>
+                </c:pt>
+                <c:pt idx="4">
+                  <c:v>12</c:v>
+                </c:pt>
+                <c:pt idx="5">
+                  <c:v>10</c:v>
+                </c:pt>
+                <c:pt idx="6">
+                  <c:v>13</c:v>
+                </c:pt>
+                <c:pt idx="7">
+                  <c:v>5</c:v>
+                </c:pt>
+                <c:pt idx="8">
+                  <c:v>8</c:v>
+                </c:pt>
+                <c:pt idx="9">
+                  <c:v>9</c:v>
+                </c:pt>
+              </c:numCache>
+            </c:numRef>
+          </c:val>
+          <c:extLst>
+            <c:ext xmlns:c16="http://schemas.microsoft.com/office/drawing/2014/chart" uri="{C3380CC4-5D6E-409C-BE32-E72D297353CC}">
+              <c16:uniqueId val="{00000003-7CBA-48BD-A0F0-1388B4DC7531}"/>
+            </c:ext>
+          </c:extLst>
+        </c:ser>
+        <c:dLbls>
+          <c:showLegendKey val="0"/>
+          <c:showVal val="0"/>
+          <c:showCatName val="0"/>
+          <c:showSerName val="0"/>
+          <c:showPercent val="0"/>
+          <c:showBubbleSize val="0"/>
+        </c:dLbls>
+        <c:gapWidth val="219"/>
+        <c:axId val="478379775"/>
+        <c:axId val="478371615"/>
+      </c:barChart>
+      <c:catAx>
+        <c:axId val="478379775"/>
+        <c:scaling>
+          <c:orientation val="minMax"/>
+        </c:scaling>
+        <c:delete val="0"/>
+        <c:axPos val="l"/>
+        <c:numFmt formatCode="General" sourceLinked="1"/>
+        <c:majorTickMark val="none"/>
+        <c:minorTickMark val="none"/>
+        <c:tickLblPos val="nextTo"/>
+        <c:spPr>
+          <a:noFill/>
+          <a:ln w="9525" cap="flat" cmpd="sng" algn="ctr">
+            <a:solidFill>
+              <a:schemeClr val="tx1">
+                <a:lumMod val="15000"/>
+                <a:lumOff val="85000"/>
+              </a:schemeClr>
+            </a:solidFill>
+            <a:round/>
+          </a:ln>
+          <a:effectLst/>
+        </c:spPr>
+        <c:txPr>
+          <a:bodyPr rot="-60000000" spcFirstLastPara="1" vertOverflow="ellipsis" vert="horz" wrap="square" anchor="ctr" anchorCtr="1"/>
+          <a:lstStyle/>
+          <a:p>
+            <a:pPr>
+              <a:defRPr sz="900" b="0" i="0" u="none" strike="noStrike" kern="1200" baseline="0">
+                <a:solidFill>
+                  <a:schemeClr val="tx1">
+                    <a:lumMod val="65000"/>
+                    <a:lumOff val="35000"/>
+                  </a:schemeClr>
+                </a:solidFill>
+                <a:latin typeface="+mn-lt"/>
+                <a:ea typeface="+mn-ea"/>
+                <a:cs typeface="+mn-cs"/>
+              </a:defRPr>
+            </a:pPr>
+            <a:endParaRPr lang="en-US"/>
+          </a:p>
+        </c:txPr>
+        <c:crossAx val="478371615"/>
+        <c:crosses val="autoZero"/>
+        <c:auto val="1"/>
+        <c:lblAlgn val="ctr"/>
+        <c:lblOffset val="100"/>
+        <c:noMultiLvlLbl val="0"/>
+      </c:catAx>
+      <c:valAx>
+        <c:axId val="478371615"/>
+        <c:scaling>
+          <c:orientation val="minMax"/>
+        </c:scaling>
+        <c:delete val="0"/>
+        <c:axPos val="b"/>
+        <c:majorGridlines>
+          <c:spPr>
+            <a:ln w="9525" cap="flat" cmpd="sng" algn="ctr">
+              <a:solidFill>
+                <a:schemeClr val="tx1">
+                  <a:lumMod val="15000"/>
+                  <a:lumOff val="85000"/>
+                </a:schemeClr>
+              </a:solidFill>
+              <a:round/>
+            </a:ln>
+            <a:effectLst/>
+          </c:spPr>
+        </c:majorGridlines>
+        <c:numFmt formatCode="General" sourceLinked="1"/>
+        <c:majorTickMark val="none"/>
+        <c:minorTickMark val="none"/>
+        <c:tickLblPos val="nextTo"/>
+        <c:spPr>
+          <a:noFill/>
+          <a:ln>
+            <a:noFill/>
+          </a:ln>
+          <a:effectLst/>
+        </c:spPr>
+        <c:txPr>
+          <a:bodyPr rot="-60000000" spcFirstLastPara="1" vertOverflow="ellipsis" vert="horz" wrap="square" anchor="ctr" anchorCtr="1"/>
+          <a:lstStyle/>
+          <a:p>
+            <a:pPr>
+              <a:defRPr sz="900" b="0" i="0" u="none" strike="noStrike" kern="1200" baseline="0">
+                <a:solidFill>
+                  <a:schemeClr val="tx1">
+                    <a:lumMod val="65000"/>
+                    <a:lumOff val="35000"/>
+                  </a:schemeClr>
+                </a:solidFill>
+                <a:latin typeface="+mn-lt"/>
+                <a:ea typeface="+mn-ea"/>
+                <a:cs typeface="+mn-cs"/>
+              </a:defRPr>
+            </a:pPr>
+            <a:endParaRPr lang="en-US"/>
+          </a:p>
+        </c:txPr>
+        <c:crossAx val="478379775"/>
+        <c:crosses val="autoZero"/>
+        <c:crossBetween val="between"/>
+      </c:valAx>
+      <c:spPr>
+        <a:noFill/>
+        <a:ln>
+          <a:noFill/>
+        </a:ln>
+        <a:effectLst/>
+      </c:spPr>
+    </c:plotArea>
+    <c:legend>
+      <c:legendPos val="r"/>
+      <c:overlay val="0"/>
+      <c:spPr>
+        <a:noFill/>
+        <a:ln>
+          <a:noFill/>
+        </a:ln>
+        <a:effectLst/>
+      </c:spPr>
+      <c:txPr>
+        <a:bodyPr rot="0" spcFirstLastPara="1" vertOverflow="ellipsis" vert="horz" wrap="square" anchor="ctr" anchorCtr="1"/>
+        <a:lstStyle/>
+        <a:p>
+          <a:pPr>
+            <a:defRPr sz="900" b="0" i="0" u="none" strike="noStrike" kern="1200" baseline="0">
+              <a:solidFill>
+                <a:schemeClr val="tx1">
+                  <a:lumMod val="65000"/>
+                  <a:lumOff val="35000"/>
+                </a:schemeClr>
+              </a:solidFill>
+              <a:latin typeface="+mn-lt"/>
+              <a:ea typeface="+mn-ea"/>
+              <a:cs typeface="+mn-cs"/>
+            </a:defRPr>
+          </a:pPr>
+          <a:endParaRPr lang="en-US"/>
+        </a:p>
+      </c:txPr>
+    </c:legend>
+    <c:plotVisOnly val="1"/>
+    <c:dispBlanksAs val="gap"/>
+    <c:extLst>
+      <c:ext xmlns:c16r3="http://schemas.microsoft.com/office/drawing/2017/03/chart" uri="{56B9EC1D-385E-4148-901F-78D8002777C0}">
+        <c16r3:dataDisplayOptions16>
+          <c16r3:dispNaAsBlank val="1"/>
+        </c16r3:dataDisplayOptions16>
+      </c:ext>
+    </c:extLst>
+    <c:showDLblsOverMax val="0"/>
+  </c:chart>
+  <c:spPr>
+    <a:noFill/>
+    <a:ln>
+      <a:noFill/>
+    </a:ln>
+    <a:effectLst/>
+  </c:spPr>
+  <c:txPr>
+    <a:bodyPr/>
+    <a:lstStyle/>
+    <a:p>
+      <a:pPr>
+        <a:defRPr/>
+      </a:pPr>
+      <a:endParaRPr lang="en-US"/>
+    </a:p>
+  </c:txPr>
+  <c:externalData r:id="rId3">
+    <c:autoUpdate val="0"/>
+  </c:externalData>
+  <c:extLst>
+    <c:ext xmlns:c14="http://schemas.microsoft.com/office/drawing/2007/8/2/chart" uri="{781A3756-C4B2-4CAC-9D66-4F8BD8637D16}">
+      <c14:pivotOptions>
+        <c14:dropZoneFilter val="1"/>
+        <c14:dropZoneCategories val="1"/>
+        <c14:dropZoneData val="1"/>
+        <c14:dropZoneSeries val="1"/>
+        <c14:dropZonesVisible val="1"/>
+      </c14:pivotOptions>
+    </c:ext>
+    <c:ext xmlns:c16="http://schemas.microsoft.com/office/drawing/2014/chart" uri="{E28EC0CA-F0BB-4C9C-879D-F8772B89E7AC}">
+      <c16:pivotOptions16>
+        <c16:showExpandCollapseFieldButtons val="1"/>
+      </c16:pivotOptions16>
+    </c:ext>
+  </c:extLst>
+</c:chartSpace>
+</file>
+
+<file path=ppt/charts/colors1.xml><?xml version="1.0" encoding="utf-8"?>
+<cs:colorStyle xmlns:cs="http://schemas.microsoft.com/office/drawing/2012/chartStyle" xmlns:a="http://schemas.openxmlformats.org/drawingml/2006/main" meth="cycle" id="10">
+  <a:schemeClr val="accent1"/>
+  <a:schemeClr val="accent2"/>
+  <a:schemeClr val="accent3"/>
+  <a:schemeClr val="accent4"/>
+  <a:schemeClr val="accent5"/>
+  <a:schemeClr val="accent6"/>
+  <cs:variation/>
+  <cs:variation>
+    <a:lumMod val="60000"/>
+  </cs:variation>
+  <cs:variation>
+    <a:lumMod val="80000"/>
+    <a:lumOff val="20000"/>
+  </cs:variation>
+  <cs:variation>
+    <a:lumMod val="80000"/>
+  </cs:variation>
+  <cs:variation>
+    <a:lumMod val="60000"/>
+    <a:lumOff val="40000"/>
+  </cs:variation>
+  <cs:variation>
+    <a:lumMod val="50000"/>
+  </cs:variation>
+  <cs:variation>
+    <a:lumMod val="70000"/>
+    <a:lumOff val="30000"/>
+  </cs:variation>
+  <cs:variation>
+    <a:lumMod val="70000"/>
+  </cs:variation>
+  <cs:variation>
+    <a:lumMod val="50000"/>
+    <a:lumOff val="50000"/>
+  </cs:variation>
+</cs:colorStyle>
+</file>
+
+<file path=ppt/charts/style1.xml><?xml version="1.0" encoding="utf-8"?>
+<cs:chartStyle xmlns:cs="http://schemas.microsoft.com/office/drawing/2012/chartStyle" xmlns:a="http://schemas.openxmlformats.org/drawingml/2006/main" id="201">
+  <cs:axisTitle>
+    <cs:lnRef idx="0"/>
+    <cs:fillRef idx="0"/>
+    <cs:effectRef idx="0"/>
+    <cs:fontRef idx="minor">
+      <a:schemeClr val="tx1">
+        <a:lumMod val="65000"/>
+        <a:lumOff val="35000"/>
+      </a:schemeClr>
+    </cs:fontRef>
+    <cs:defRPr sz="1000" kern="1200"/>
+  </cs:axisTitle>
+  <cs:categoryAxis>
+    <cs:lnRef idx="0"/>
+    <cs:fillRef idx="0"/>
+    <cs:effectRef idx="0"/>
+    <cs:fontRef idx="minor">
+      <a:schemeClr val="tx1">
+        <a:lumMod val="65000"/>
+        <a:lumOff val="35000"/>
+      </a:schemeClr>
+    </cs:fontRef>
+    <cs:spPr>
+      <a:ln w="9525" cap="flat" cmpd="sng" algn="ctr">
+        <a:solidFill>
+          <a:schemeClr val="tx1">
+            <a:lumMod val="15000"/>
+            <a:lumOff val="85000"/>
+          </a:schemeClr>
+        </a:solidFill>
+        <a:round/>
+      </a:ln>
+    </cs:spPr>
+    <cs:defRPr sz="900" kern="1200"/>
+  </cs:categoryAxis>
+  <cs:chartArea mods="allowNoFillOverride allowNoLineOverride">
+    <cs:lnRef idx="0"/>
+    <cs:fillRef idx="0"/>
+    <cs:effectRef idx="0"/>
+    <cs:fontRef idx="minor">
+      <a:schemeClr val="tx1"/>
+    </cs:fontRef>
+    <cs:spPr>
+      <a:solidFill>
+        <a:schemeClr val="bg1"/>
+      </a:solidFill>
+      <a:ln w="9525" cap="flat" cmpd="sng" algn="ctr">
+        <a:solidFill>
+          <a:schemeClr val="tx1">
+            <a:lumMod val="15000"/>
+            <a:lumOff val="85000"/>
+          </a:schemeClr>
+        </a:solidFill>
+        <a:round/>
+      </a:ln>
+    </cs:spPr>
+    <cs:defRPr sz="1000" kern="1200"/>
+  </cs:chartArea>
+  <cs:dataLabel>
+    <cs:lnRef idx="0"/>
+    <cs:fillRef idx="0"/>
+    <cs:effectRef idx="0"/>
+    <cs:fontRef idx="minor">
+      <a:schemeClr val="tx1">
+        <a:lumMod val="75000"/>
+        <a:lumOff val="25000"/>
+      </a:schemeClr>
+    </cs:fontRef>
+    <cs:defRPr sz="900" kern="1200"/>
+  </cs:dataLabel>
+  <cs:dataLabelCallout>
+    <cs:lnRef idx="0"/>
+    <cs:fillRef idx="0"/>
+    <cs:effectRef idx="0"/>
+    <cs:fontRef idx="minor">
+      <a:schemeClr val="dk1">
+        <a:lumMod val="65000"/>
+        <a:lumOff val="35000"/>
+      </a:schemeClr>
+    </cs:fontRef>
+    <cs:spPr>
+      <a:solidFill>
+        <a:schemeClr val="lt1"/>
+      </a:solidFill>
+      <a:ln>
+        <a:solidFill>
+          <a:schemeClr val="dk1">
+            <a:lumMod val="25000"/>
+            <a:lumOff val="75000"/>
+          </a:schemeClr>
+        </a:solidFill>
+      </a:ln>
+    </cs:spPr>
+    <cs:defRPr sz="900" kern="1200"/>
+    <cs:bodyPr rot="0" spcFirstLastPara="1" vertOverflow="clip" horzOverflow="clip" vert="horz" wrap="square" lIns="36576" tIns="18288" rIns="36576" bIns="18288" anchor="ctr" anchorCtr="1">
+      <a:spAutoFit/>
+    </cs:bodyPr>
+  </cs:dataLabelCallout>
+  <cs:dataPoint>
+    <cs:lnRef idx="0"/>
+    <cs:fillRef idx="1">
+      <cs:styleClr val="auto"/>
+    </cs:fillRef>
+    <cs:effectRef idx="0"/>
+    <cs:fontRef idx="minor">
+      <a:schemeClr val="tx1"/>
+    </cs:fontRef>
+  </cs:dataPoint>
+  <cs:dataPoint3D>
+    <cs:lnRef idx="0"/>
+    <cs:fillRef idx="1">
+      <cs:styleClr val="auto"/>
+    </cs:fillRef>
+    <cs:effectRef idx="0"/>
+    <cs:fontRef idx="minor">
+      <a:schemeClr val="tx1"/>
+    </cs:fontRef>
+  </cs:dataPoint3D>
+  <cs:dataPointLine>
+    <cs:lnRef idx="0">
+      <cs:styleClr val="auto"/>
+    </cs:lnRef>
+    <cs:fillRef idx="1"/>
+    <cs:effectRef idx="0"/>
+    <cs:fontRef idx="minor">
+      <a:schemeClr val="tx1"/>
+    </cs:fontRef>
+    <cs:spPr>
+      <a:ln w="28575" cap="rnd">
+        <a:solidFill>
+          <a:schemeClr val="phClr"/>
+        </a:solidFill>
+        <a:round/>
+      </a:ln>
+    </cs:spPr>
+  </cs:dataPointLine>
+  <cs:dataPointMarker>
+    <cs:lnRef idx="0">
+      <cs:styleClr val="auto"/>
+    </cs:lnRef>
+    <cs:fillRef idx="1">
+      <cs:styleClr val="auto"/>
+    </cs:fillRef>
+    <cs:effectRef idx="0"/>
+    <cs:fontRef idx="minor">
+      <a:schemeClr val="tx1"/>
+    </cs:fontRef>
+    <cs:spPr>
+      <a:ln w="9525">
+        <a:solidFill>
+          <a:schemeClr val="phClr"/>
+        </a:solidFill>
+      </a:ln>
+    </cs:spPr>
+  </cs:dataPointMarker>
+  <cs:dataPointMarkerLayout symbol="circle" size="5"/>
+  <cs:dataPointWireframe>
+    <cs:lnRef idx="0">
+      <cs:styleClr val="auto"/>
+    </cs:lnRef>
+    <cs:fillRef idx="1"/>
+    <cs:effectRef idx="0"/>
+    <cs:fontRef idx="minor">
+      <a:schemeClr val="tx1"/>
+    </cs:fontRef>
+    <cs:spPr>
+      <a:ln w="9525" cap="rnd">
+        <a:solidFill>
+          <a:schemeClr val="phClr"/>
+        </a:solidFill>
+        <a:round/>
+      </a:ln>
+    </cs:spPr>
+  </cs:dataPointWireframe>
+  <cs:dataTable>
+    <cs:lnRef idx="0"/>
+    <cs:fillRef idx="0"/>
+    <cs:effectRef idx="0"/>
+    <cs:fontRef idx="minor">
+      <a:schemeClr val="tx1">
+        <a:lumMod val="65000"/>
+        <a:lumOff val="35000"/>
+      </a:schemeClr>
+    </cs:fontRef>
+    <cs:spPr>
+      <a:noFill/>
+      <a:ln w="9525" cap="flat" cmpd="sng" algn="ctr">
+        <a:solidFill>
+          <a:schemeClr val="tx1">
+            <a:lumMod val="15000"/>
+            <a:lumOff val="85000"/>
+          </a:schemeClr>
+        </a:solidFill>
+        <a:round/>
+      </a:ln>
+    </cs:spPr>
+    <cs:defRPr sz="900" kern="1200"/>
+  </cs:dataTable>
+  <cs:downBar>
+    <cs:lnRef idx="0"/>
+    <cs:fillRef idx="0"/>
+    <cs:effectRef idx="0"/>
+    <cs:fontRef idx="minor">
+      <a:schemeClr val="dk1"/>
+    </cs:fontRef>
+    <cs:spPr>
+      <a:solidFill>
+        <a:schemeClr val="dk1">
+          <a:lumMod val="65000"/>
+          <a:lumOff val="35000"/>
+        </a:schemeClr>
+      </a:solidFill>
+      <a:ln w="9525">
+        <a:solidFill>
+          <a:schemeClr val="tx1">
+            <a:lumMod val="65000"/>
+            <a:lumOff val="35000"/>
+          </a:schemeClr>
+        </a:solidFill>
+      </a:ln>
+    </cs:spPr>
+  </cs:downBar>
+  <cs:dropLine>
+    <cs:lnRef idx="0"/>
+    <cs:fillRef idx="0"/>
+    <cs:effectRef idx="0"/>
+    <cs:fontRef idx="minor">
+      <a:schemeClr val="tx1"/>
+    </cs:fontRef>
+    <cs:spPr>
+      <a:ln w="9525" cap="flat" cmpd="sng" algn="ctr">
+        <a:solidFill>
+          <a:schemeClr val="tx1">
+            <a:lumMod val="35000"/>
+            <a:lumOff val="65000"/>
+          </a:schemeClr>
+        </a:solidFill>
+        <a:round/>
+      </a:ln>
+    </cs:spPr>
+  </cs:dropLine>
+  <cs:errorBar>
+    <cs:lnRef idx="0"/>
+    <cs:fillRef idx="0"/>
+    <cs:effectRef idx="0"/>
+    <cs:fontRef idx="minor">
+      <a:schemeClr val="tx1"/>
+    </cs:fontRef>
+    <cs:spPr>
+      <a:ln w="9525" cap="flat" cmpd="sng" algn="ctr">
+        <a:solidFill>
+          <a:schemeClr val="tx1">
+            <a:lumMod val="65000"/>
+            <a:lumOff val="35000"/>
+          </a:schemeClr>
+        </a:solidFill>
+        <a:round/>
+      </a:ln>
+    </cs:spPr>
+  </cs:errorBar>
+  <cs:floor>
+    <cs:lnRef idx="0"/>
+    <cs:fillRef idx="0"/>
+    <cs:effectRef idx="0"/>
+    <cs:fontRef idx="minor">
+      <a:schemeClr val="tx1"/>
+    </cs:fontRef>
+    <cs:spPr>
+      <a:noFill/>
+      <a:ln>
+        <a:noFill/>
+      </a:ln>
+    </cs:spPr>
+  </cs:floor>
+  <cs:gridlineMajor>
+    <cs:lnRef idx="0"/>
+    <cs:fillRef idx="0"/>
+    <cs:effectRef idx="0"/>
+    <cs:fontRef idx="minor">
+      <a:schemeClr val="tx1"/>
+    </cs:fontRef>
+    <cs:spPr>
+      <a:ln w="9525" cap="flat" cmpd="sng" algn="ctr">
+        <a:solidFill>
+          <a:schemeClr val="tx1">
+            <a:lumMod val="15000"/>
+            <a:lumOff val="85000"/>
+          </a:schemeClr>
+        </a:solidFill>
+        <a:round/>
+      </a:ln>
+    </cs:spPr>
+  </cs:gridlineMajor>
+  <cs:gridlineMinor>
+    <cs:lnRef idx="0"/>
+    <cs:fillRef idx="0"/>
+    <cs:effectRef idx="0"/>
+    <cs:fontRef idx="minor">
+      <a:schemeClr val="tx1"/>
+    </cs:fontRef>
+    <cs:spPr>
+      <a:ln w="9525" cap="flat" cmpd="sng" algn="ctr">
+        <a:solidFill>
+          <a:schemeClr val="tx1">
+            <a:lumMod val="5000"/>
+            <a:lumOff val="95000"/>
+          </a:schemeClr>
+        </a:solidFill>
+        <a:round/>
+      </a:ln>
+    </cs:spPr>
+  </cs:gridlineMinor>
+  <cs:hiLoLine>
+    <cs:lnRef idx="0"/>
+    <cs:fillRef idx="0"/>
+    <cs:effectRef idx="0"/>
+    <cs:fontRef idx="minor">
+      <a:schemeClr val="tx1"/>
+    </cs:fontRef>
+    <cs:spPr>
+      <a:ln w="9525" cap="flat" cmpd="sng" algn="ctr">
+        <a:solidFill>
+          <a:schemeClr val="tx1">
+            <a:lumMod val="75000"/>
+            <a:lumOff val="25000"/>
+          </a:schemeClr>
+        </a:solidFill>
+        <a:round/>
+      </a:ln>
+    </cs:spPr>
+  </cs:hiLoLine>
+  <cs:leaderLine>
+    <cs:lnRef idx="0"/>
+    <cs:fillRef idx="0"/>
+    <cs:effectRef idx="0"/>
+    <cs:fontRef idx="minor">
+      <a:schemeClr val="tx1"/>
+    </cs:fontRef>
+    <cs:spPr>
+      <a:ln w="9525" cap="flat" cmpd="sng" algn="ctr">
+        <a:solidFill>
+          <a:schemeClr val="tx1">
+            <a:lumMod val="35000"/>
+            <a:lumOff val="65000"/>
+          </a:schemeClr>
+        </a:solidFill>
+        <a:round/>
+      </a:ln>
+    </cs:spPr>
+  </cs:leaderLine>
+  <cs:legend>
+    <cs:lnRef idx="0"/>
+    <cs:fillRef idx="0"/>
+    <cs:effectRef idx="0"/>
+    <cs:fontRef idx="minor">
+      <a:schemeClr val="tx1">
+        <a:lumMod val="65000"/>
+        <a:lumOff val="35000"/>
+      </a:schemeClr>
+    </cs:fontRef>
+    <cs:defRPr sz="900" kern="1200"/>
+  </cs:legend>
+  <cs:plotArea mods="allowNoFillOverride allowNoLineOverride">
+    <cs:lnRef idx="0"/>
+    <cs:fillRef idx="0"/>
+    <cs:effectRef idx="0"/>
+    <cs:fontRef idx="minor">
+      <a:schemeClr val="tx1"/>
+    </cs:fontRef>
+  </cs:plotArea>
+  <cs:plotArea3D mods="allowNoFillOverride allowNoLineOverride">
+    <cs:lnRef idx="0"/>
+    <cs:fillRef idx="0"/>
+    <cs:effectRef idx="0"/>
+    <cs:fontRef idx="minor">
+      <a:schemeClr val="tx1"/>
+    </cs:fontRef>
+  </cs:plotArea3D>
+  <cs:seriesAxis>
+    <cs:lnRef idx="0"/>
+    <cs:fillRef idx="0"/>
+    <cs:effectRef idx="0"/>
+    <cs:fontRef idx="minor">
+      <a:schemeClr val="tx1">
+        <a:lumMod val="65000"/>
+        <a:lumOff val="35000"/>
+      </a:schemeClr>
+    </cs:fontRef>
+    <cs:defRPr sz="900" kern="1200"/>
+  </cs:seriesAxis>
+  <cs:seriesLine>
+    <cs:lnRef idx="0"/>
+    <cs:fillRef idx="0"/>
+    <cs:effectRef idx="0"/>
+    <cs:fontRef idx="minor">
+      <a:schemeClr val="tx1"/>
+    </cs:fontRef>
+    <cs:spPr>
+      <a:ln w="9525" cap="flat" cmpd="sng" algn="ctr">
+        <a:solidFill>
+          <a:schemeClr val="tx1">
+            <a:lumMod val="35000"/>
+            <a:lumOff val="65000"/>
+          </a:schemeClr>
+        </a:solidFill>
+        <a:round/>
+      </a:ln>
+    </cs:spPr>
+  </cs:seriesLine>
+  <cs:title>
+    <cs:lnRef idx="0"/>
+    <cs:fillRef idx="0"/>
+    <cs:effectRef idx="0"/>
+    <cs:fontRef idx="minor">
+      <a:schemeClr val="tx1">
+        <a:lumMod val="65000"/>
+        <a:lumOff val="35000"/>
+      </a:schemeClr>
+    </cs:fontRef>
+    <cs:defRPr sz="1400" b="0" kern="1200" spc="0" baseline="0"/>
+  </cs:title>
+  <cs:trendline>
+    <cs:lnRef idx="0">
+      <cs:styleClr val="auto"/>
+    </cs:lnRef>
+    <cs:fillRef idx="0"/>
+    <cs:effectRef idx="0"/>
+    <cs:fontRef idx="minor">
+      <a:schemeClr val="tx1"/>
+    </cs:fontRef>
+    <cs:spPr>
+      <a:ln w="19050" cap="rnd">
+        <a:solidFill>
+          <a:schemeClr val="phClr"/>
+        </a:solidFill>
+        <a:prstDash val="sysDot"/>
+      </a:ln>
+    </cs:spPr>
+  </cs:trendline>
+  <cs:trendlineLabel>
+    <cs:lnRef idx="0"/>
+    <cs:fillRef idx="0"/>
+    <cs:effectRef idx="0"/>
+    <cs:fontRef idx="minor">
+      <a:schemeClr val="tx1">
+        <a:lumMod val="65000"/>
+        <a:lumOff val="35000"/>
+      </a:schemeClr>
+    </cs:fontRef>
+    <cs:defRPr sz="900" kern="1200"/>
+  </cs:trendlineLabel>
+  <cs:upBar>
+    <cs:lnRef idx="0"/>
+    <cs:fillRef idx="0"/>
+    <cs:effectRef idx="0"/>
+    <cs:fontRef idx="minor">
+      <a:schemeClr val="dk1"/>
+    </cs:fontRef>
+    <cs:spPr>
+      <a:solidFill>
+        <a:schemeClr val="lt1"/>
+      </a:solidFill>
+      <a:ln w="9525">
+        <a:solidFill>
+          <a:schemeClr val="tx1">
+            <a:lumMod val="15000"/>
+            <a:lumOff val="85000"/>
+          </a:schemeClr>
+        </a:solidFill>
+      </a:ln>
+    </cs:spPr>
+  </cs:upBar>
+  <cs:valueAxis>
+    <cs:lnRef idx="0"/>
+    <cs:fillRef idx="0"/>
+    <cs:effectRef idx="0"/>
+    <cs:fontRef idx="minor">
+      <a:schemeClr val="tx1">
+        <a:lumMod val="65000"/>
+        <a:lumOff val="35000"/>
+      </a:schemeClr>
+    </cs:fontRef>
+    <cs:defRPr sz="900" kern="1200"/>
+  </cs:valueAxis>
+  <cs:wall>
+    <cs:lnRef idx="0"/>
+    <cs:fillRef idx="0"/>
+    <cs:effectRef idx="0"/>
+    <cs:fontRef idx="minor">
+      <a:schemeClr val="tx1"/>
+    </cs:fontRef>
+    <cs:spPr>
+      <a:noFill/>
+      <a:ln>
+        <a:noFill/>
+      </a:ln>
+    </cs:spPr>
+  </cs:wall>
+</cs:chartStyle>
+</file>
+
 <file path=ppt/notesMasters/notesMaster1.xml><?xml version="1.0" encoding="utf-8"?>
 <p:notesMaster xmlns:a="http://schemas.openxmlformats.org/drawingml/2006/main" xmlns:r="http://schemas.openxmlformats.org/officeDocument/2006/relationships" xmlns:p="http://schemas.openxmlformats.org/presentationml/2006/main">
   <p:cSld>
@@ -248,7 +2469,7 @@
           <a:p>
             <a:fld id="{84B86612-B127-4CD0-BF15-66D49A7175F7}" type="datetimeFigureOut">
               <a:rPr lang="en-IN" smtClean="0"/>
-              <a:t>29-08-2024</a:t>
+              <a:t>30-08-2024</a:t>
             </a:fld>
             <a:endParaRPr lang="en-IN"/>
           </a:p>
@@ -829,7 +3050,7 @@
           <a:p>
             <a:fld id="{1D8BD707-D9CF-40AE-B4C6-C98DA3205C09}" type="datetimeFigureOut">
               <a:rPr lang="en-US"/>
-              <a:t>8/29/2024</a:t>
+              <a:t>8/30/2024</a:t>
             </a:fld>
             <a:endParaRPr lang="en-US"/>
           </a:p>
@@ -1009,7 +3230,7 @@
           <a:p>
             <a:fld id="{1D8BD707-D9CF-40AE-B4C6-C98DA3205C09}" type="datetimeFigureOut">
               <a:rPr lang="en-US"/>
-              <a:t>8/29/2024</a:t>
+              <a:t>8/30/2024</a:t>
             </a:fld>
             <a:endParaRPr lang="en-US"/>
           </a:p>
@@ -1232,7 +3453,7 @@
           <a:p>
             <a:fld id="{1D8BD707-D9CF-40AE-B4C6-C98DA3205C09}" type="datetimeFigureOut">
               <a:rPr lang="en-US"/>
-              <a:t>8/29/2024</a:t>
+              <a:t>8/30/2024</a:t>
             </a:fld>
             <a:endParaRPr lang="en-US"/>
           </a:p>
@@ -1389,7 +3610,7 @@
           <a:p>
             <a:fld id="{1D8BD707-D9CF-40AE-B4C6-C98DA3205C09}" type="datetimeFigureOut">
               <a:rPr lang="en-US"/>
-              <a:t>8/29/2024</a:t>
+              <a:t>8/30/2024</a:t>
             </a:fld>
             <a:endParaRPr lang="en-US"/>
           </a:p>
@@ -1517,7 +3738,7 @@
           <a:p>
             <a:fld id="{1D8BD707-D9CF-40AE-B4C6-C98DA3205C09}" type="datetimeFigureOut">
               <a:rPr lang="en-US"/>
-              <a:t>8/29/2024</a:t>
+              <a:t>8/30/2024</a:t>
             </a:fld>
             <a:endParaRPr lang="en-US"/>
           </a:p>
@@ -2236,7 +4457,7 @@
           <a:p>
             <a:fld id="{1D8BD707-D9CF-40AE-B4C6-C98DA3205C09}" type="datetimeFigureOut">
               <a:rPr lang="en-US"/>
-              <a:t>8/29/2024</a:t>
+              <a:t>8/30/2024</a:t>
             </a:fld>
             <a:endParaRPr lang="en-US"/>
           </a:p>
@@ -3675,6 +5896,36 @@
           </a:p>
         </p:txBody>
       </p:sp>
+      <p:graphicFrame>
+        <p:nvGraphicFramePr>
+          <p:cNvPr id="2" name="Chart 1">
+            <a:extLst>
+              <a:ext uri="{FF2B5EF4-FFF2-40B4-BE49-F238E27FC236}">
+                <a16:creationId xmlns:a16="http://schemas.microsoft.com/office/drawing/2014/main" id="{81DEA02C-5A1F-F62D-9C18-98E4ECF18A59}"/>
+              </a:ext>
+            </a:extLst>
+          </p:cNvPr>
+          <p:cNvGraphicFramePr>
+            <a:graphicFrameLocks/>
+          </p:cNvGraphicFramePr>
+          <p:nvPr>
+            <p:extLst>
+              <p:ext uri="{D42A27DB-BD31-4B8C-83A1-F6EECF244321}">
+                <p14:modId xmlns:p14="http://schemas.microsoft.com/office/powerpoint/2010/main" val="418891233"/>
+              </p:ext>
+            </p:extLst>
+          </p:nvPr>
+        </p:nvGraphicFramePr>
+        <p:xfrm>
+          <a:off x="1143000" y="1219200"/>
+          <a:ext cx="7193280" cy="4857750"/>
+        </p:xfrm>
+        <a:graphic>
+          <a:graphicData uri="http://schemas.openxmlformats.org/drawingml/2006/chart">
+            <c:chart xmlns:c="http://schemas.openxmlformats.org/drawingml/2006/chart" xmlns:r="http://schemas.openxmlformats.org/officeDocument/2006/relationships" r:id="rId3"/>
+          </a:graphicData>
+        </a:graphic>
+      </p:graphicFrame>
     </p:spTree>
   </p:cSld>
   <p:clrMapOvr>
